--- a/slides/2024_Delphi_NLP_with_ML_Part_1.pptx
+++ b/slides/2024_Delphi_NLP_with_ML_Part_1.pptx
@@ -324,7 +324,7 @@
           <a:p>
             <a:fld id="{3299B5C5-5143-40F9-BF92-26F12C515E3E}" type="datetimeFigureOut">
               <a:rPr lang="en-US" smtClean="0"/>
-              <a:t>2/6/2024</a:t>
+              <a:t>3/7/2024</a:t>
             </a:fld>
             <a:endParaRPr lang="en-US"/>
           </a:p>
@@ -662,7 +662,7 @@
           <a:p>
             <a:fld id="{3299B5C5-5143-40F9-BF92-26F12C515E3E}" type="datetimeFigureOut">
               <a:rPr lang="en-US" smtClean="0"/>
-              <a:t>2/6/2024</a:t>
+              <a:t>3/7/2024</a:t>
             </a:fld>
             <a:endParaRPr lang="en-US"/>
           </a:p>
@@ -1063,7 +1063,7 @@
           <a:p>
             <a:fld id="{3299B5C5-5143-40F9-BF92-26F12C515E3E}" type="datetimeFigureOut">
               <a:rPr lang="en-US" smtClean="0"/>
-              <a:t>2/6/2024</a:t>
+              <a:t>3/7/2024</a:t>
             </a:fld>
             <a:endParaRPr lang="en-US"/>
           </a:p>
@@ -1399,7 +1399,7 @@
           <a:p>
             <a:fld id="{3299B5C5-5143-40F9-BF92-26F12C515E3E}" type="datetimeFigureOut">
               <a:rPr lang="en-US" smtClean="0"/>
-              <a:t>2/6/2024</a:t>
+              <a:t>3/7/2024</a:t>
             </a:fld>
             <a:endParaRPr lang="en-US"/>
           </a:p>
@@ -1719,7 +1719,7 @@
           <a:p>
             <a:fld id="{3299B5C5-5143-40F9-BF92-26F12C515E3E}" type="datetimeFigureOut">
               <a:rPr lang="en-US" smtClean="0"/>
-              <a:t>2/6/2024</a:t>
+              <a:t>3/7/2024</a:t>
             </a:fld>
             <a:endParaRPr lang="en-US"/>
           </a:p>
@@ -2115,7 +2115,7 @@
           <a:p>
             <a:fld id="{3299B5C5-5143-40F9-BF92-26F12C515E3E}" type="datetimeFigureOut">
               <a:rPr lang="en-US" smtClean="0"/>
-              <a:t>2/6/2024</a:t>
+              <a:t>3/7/2024</a:t>
             </a:fld>
             <a:endParaRPr lang="en-US"/>
           </a:p>
@@ -2372,7 +2372,7 @@
           <a:p>
             <a:fld id="{3299B5C5-5143-40F9-BF92-26F12C515E3E}" type="datetimeFigureOut">
               <a:rPr lang="en-US" smtClean="0"/>
-              <a:t>2/6/2024</a:t>
+              <a:t>3/7/2024</a:t>
             </a:fld>
             <a:endParaRPr lang="en-US"/>
           </a:p>
@@ -2634,7 +2634,7 @@
           <a:p>
             <a:fld id="{3299B5C5-5143-40F9-BF92-26F12C515E3E}" type="datetimeFigureOut">
               <a:rPr lang="en-US" smtClean="0"/>
-              <a:t>2/6/2024</a:t>
+              <a:t>3/7/2024</a:t>
             </a:fld>
             <a:endParaRPr lang="en-US"/>
           </a:p>
@@ -2896,7 +2896,7 @@
           <a:p>
             <a:fld id="{3299B5C5-5143-40F9-BF92-26F12C515E3E}" type="datetimeFigureOut">
               <a:rPr lang="en-US" smtClean="0"/>
-              <a:t>2/6/2024</a:t>
+              <a:t>3/7/2024</a:t>
             </a:fld>
             <a:endParaRPr lang="en-US"/>
           </a:p>
@@ -3225,7 +3225,7 @@
           <a:p>
             <a:fld id="{3299B5C5-5143-40F9-BF92-26F12C515E3E}" type="datetimeFigureOut">
               <a:rPr lang="en-US" smtClean="0"/>
-              <a:t>2/6/2024</a:t>
+              <a:t>3/7/2024</a:t>
             </a:fld>
             <a:endParaRPr lang="en-US"/>
           </a:p>
@@ -3548,7 +3548,7 @@
           <a:p>
             <a:fld id="{3299B5C5-5143-40F9-BF92-26F12C515E3E}" type="datetimeFigureOut">
               <a:rPr lang="en-US" smtClean="0"/>
-              <a:t>2/6/2024</a:t>
+              <a:t>3/7/2024</a:t>
             </a:fld>
             <a:endParaRPr lang="en-US"/>
           </a:p>
@@ -4005,7 +4005,7 @@
           <a:p>
             <a:fld id="{3299B5C5-5143-40F9-BF92-26F12C515E3E}" type="datetimeFigureOut">
               <a:rPr lang="en-US" smtClean="0"/>
-              <a:t>2/6/2024</a:t>
+              <a:t>3/7/2024</a:t>
             </a:fld>
             <a:endParaRPr lang="en-US"/>
           </a:p>
@@ -4210,7 +4210,7 @@
           <a:p>
             <a:fld id="{3299B5C5-5143-40F9-BF92-26F12C515E3E}" type="datetimeFigureOut">
               <a:rPr lang="en-US" smtClean="0"/>
-              <a:t>2/6/2024</a:t>
+              <a:t>3/7/2024</a:t>
             </a:fld>
             <a:endParaRPr lang="en-US"/>
           </a:p>
@@ -4387,7 +4387,7 @@
           <a:p>
             <a:fld id="{3299B5C5-5143-40F9-BF92-26F12C515E3E}" type="datetimeFigureOut">
               <a:rPr lang="en-US" smtClean="0"/>
-              <a:t>2/6/2024</a:t>
+              <a:t>3/7/2024</a:t>
             </a:fld>
             <a:endParaRPr lang="en-US"/>
           </a:p>
@@ -4720,7 +4720,7 @@
           <a:p>
             <a:fld id="{3299B5C5-5143-40F9-BF92-26F12C515E3E}" type="datetimeFigureOut">
               <a:rPr lang="en-US" smtClean="0"/>
-              <a:t>2/6/2024</a:t>
+              <a:t>3/7/2024</a:t>
             </a:fld>
             <a:endParaRPr lang="en-US"/>
           </a:p>
@@ -5065,7 +5065,7 @@
           <a:p>
             <a:fld id="{3299B5C5-5143-40F9-BF92-26F12C515E3E}" type="datetimeFigureOut">
               <a:rPr lang="en-US" smtClean="0"/>
-              <a:t>2/6/2024</a:t>
+              <a:t>3/7/2024</a:t>
             </a:fld>
             <a:endParaRPr lang="en-US"/>
           </a:p>
@@ -7182,7 +7182,7 @@
           <a:p>
             <a:fld id="{3299B5C5-5143-40F9-BF92-26F12C515E3E}" type="datetimeFigureOut">
               <a:rPr lang="en-US" smtClean="0"/>
-              <a:t>2/6/2024</a:t>
+              <a:t>3/7/2024</a:t>
             </a:fld>
             <a:endParaRPr lang="en-US"/>
           </a:p>
@@ -9648,7 +9648,9 @@
         </p:nvSpPr>
         <p:spPr/>
         <p:txBody>
-          <a:bodyPr/>
+          <a:bodyPr>
+            <a:normAutofit fontScale="92500" lnSpcReduction="10000"/>
+          </a:bodyPr>
           <a:lstStyle/>
           <a:p>
             <a:r>
@@ -9701,13 +9703,22 @@
             <a:pPr lvl="2"/>
             <a:r>
               <a:rPr lang="en-US" dirty="0"/>
-              <a:t>spam classification, medical information extraction, chart summary, </a:t>
-            </a:r>
-            <a:r>
-              <a:rPr lang="en-US" dirty="0" err="1"/>
-              <a:t>etc</a:t>
-            </a:r>
-            <a:endParaRPr lang="en-US" dirty="0"/>
+              <a:t>spam classification</a:t>
+            </a:r>
+          </a:p>
+          <a:p>
+            <a:pPr lvl="2"/>
+            <a:r>
+              <a:rPr lang="en-US" dirty="0"/>
+              <a:t>medical information extraction</a:t>
+            </a:r>
+          </a:p>
+          <a:p>
+            <a:pPr lvl="2"/>
+            <a:r>
+              <a:rPr lang="en-US" dirty="0"/>
+              <a:t>chart summary</a:t>
+            </a:r>
           </a:p>
           <a:p>
             <a:pPr lvl="1"/>
@@ -10038,13 +10049,6 @@
             <a:pPr lvl="1"/>
             <a:r>
               <a:rPr lang="en-US" dirty="0"/>
-              <a:t>Tasks possible</a:t>
-            </a:r>
-          </a:p>
-          <a:p>
-            <a:pPr lvl="1"/>
-            <a:r>
-              <a:rPr lang="en-US" dirty="0"/>
               <a:t>(Hands on) Pre-training</a:t>
             </a:r>
           </a:p>
@@ -10162,7 +10166,7 @@
           <a:p>
             <a:r>
               <a:rPr lang="en-US" dirty="0"/>
-              <a:t>Tokenization is breaking text into pieces</a:t>
+              <a:t>Tokenization is breaking text into useful pieces</a:t>
             </a:r>
           </a:p>
           <a:p>
@@ -10433,7 +10437,7 @@
         <p:spPr/>
         <p:txBody>
           <a:bodyPr>
-            <a:normAutofit fontScale="92500" lnSpcReduction="10000"/>
+            <a:normAutofit fontScale="85000" lnSpcReduction="20000"/>
           </a:bodyPr>
           <a:lstStyle/>
           <a:p>
@@ -10458,7 +10462,7 @@
           <a:p>
             <a:r>
               <a:rPr lang="en-US" dirty="0"/>
-              <a:t>E.g. “girls” might remain a single token</a:t>
+              <a:t>E.g. “girl” might remain a single token</a:t>
             </a:r>
           </a:p>
           <a:p>
@@ -10498,14 +10502,25 @@
           <a:p>
             <a:r>
               <a:rPr lang="en-US" dirty="0"/>
-              <a:t>LLMs and multi-language: One solution is Byte Pair Encoding (BPE)</a:t>
+              <a:t>Some common tokenization methods for modern LLMs:</a:t>
             </a:r>
           </a:p>
           <a:p>
             <a:pPr lvl="1"/>
             <a:r>
-              <a:rPr lang="en-US" dirty="0"/>
-              <a:t>Encode the byte information in characters, and not words</a:t>
+              <a:rPr lang="en-US" dirty="0" err="1"/>
+              <a:t>WordPiece</a:t>
+            </a:r>
+            <a:r>
+              <a:rPr lang="en-US" dirty="0"/>
+              <a:t> (see above)</a:t>
+            </a:r>
+          </a:p>
+          <a:p>
+            <a:pPr lvl="1"/>
+            <a:r>
+              <a:rPr lang="en-US" dirty="0"/>
+              <a:t>Byte Pair Encoding (actually encodes bytes and not characters; useful for languages which use characters which would require multiple bytes)</a:t>
             </a:r>
           </a:p>
         </p:txBody>
@@ -10987,7 +11002,7 @@
           <a:p>
             <a:r>
               <a:rPr lang="en-US" dirty="0"/>
-              <a:t>ML is changing our work</a:t>
+              <a:t>ML is changing our world since we interact with systems fueled by ML every day</a:t>
             </a:r>
           </a:p>
           <a:p>
@@ -11001,7 +11016,14 @@
             <a:pPr lvl="1"/>
             <a:r>
               <a:rPr lang="en-US" dirty="0"/>
-              <a:t>Recommendation systems</a:t>
+              <a:t>Recommendation systems (online shopping)</a:t>
+            </a:r>
+          </a:p>
+          <a:p>
+            <a:pPr lvl="1"/>
+            <a:r>
+              <a:rPr lang="en-US" dirty="0"/>
+              <a:t>Language Translation</a:t>
             </a:r>
           </a:p>
         </p:txBody>
@@ -12061,7 +12083,7 @@
         <p:spPr/>
         <p:txBody>
           <a:bodyPr>
-            <a:normAutofit/>
+            <a:normAutofit fontScale="92500" lnSpcReduction="20000"/>
           </a:bodyPr>
           <a:lstStyle/>
           <a:p>
@@ -12075,6 +12097,13 @@
             <a:r>
               <a:rPr lang="en-US" sz="3000" dirty="0"/>
               <a:t>Classification (spam vs not spam)</a:t>
+            </a:r>
+          </a:p>
+          <a:p>
+            <a:pPr lvl="1"/>
+            <a:r>
+              <a:rPr lang="en-US" sz="3000" dirty="0"/>
+              <a:t>Information Extraction (signs and symptoms from a clinical document)</a:t>
             </a:r>
           </a:p>
           <a:p>
